--- a/Project 1 sketch.pptx
+++ b/Project 1 sketch.pptx
@@ -1208,7 +1208,7 @@
           <a:p>
             <a:fld id="{4A2C2626-DACE-426B-A3BD-2F0737442317}" type="datetimeFigureOut">
               <a:rPr lang="en-SG" smtClean="0"/>
-              <a:t>13/12/2022</a:t>
+              <a:t>17/12/2022</a:t>
             </a:fld>
             <a:endParaRPr lang="en-SG"/>
           </a:p>
@@ -1408,7 +1408,7 @@
           <a:p>
             <a:fld id="{4A2C2626-DACE-426B-A3BD-2F0737442317}" type="datetimeFigureOut">
               <a:rPr lang="en-SG" smtClean="0"/>
-              <a:t>13/12/2022</a:t>
+              <a:t>17/12/2022</a:t>
             </a:fld>
             <a:endParaRPr lang="en-SG"/>
           </a:p>
@@ -1618,7 +1618,7 @@
           <a:p>
             <a:fld id="{4A2C2626-DACE-426B-A3BD-2F0737442317}" type="datetimeFigureOut">
               <a:rPr lang="en-SG" smtClean="0"/>
-              <a:t>13/12/2022</a:t>
+              <a:t>17/12/2022</a:t>
             </a:fld>
             <a:endParaRPr lang="en-SG"/>
           </a:p>
@@ -1818,7 +1818,7 @@
           <a:p>
             <a:fld id="{4A2C2626-DACE-426B-A3BD-2F0737442317}" type="datetimeFigureOut">
               <a:rPr lang="en-SG" smtClean="0"/>
-              <a:t>13/12/2022</a:t>
+              <a:t>17/12/2022</a:t>
             </a:fld>
             <a:endParaRPr lang="en-SG"/>
           </a:p>
@@ -2094,7 +2094,7 @@
           <a:p>
             <a:fld id="{4A2C2626-DACE-426B-A3BD-2F0737442317}" type="datetimeFigureOut">
               <a:rPr lang="en-SG" smtClean="0"/>
-              <a:t>13/12/2022</a:t>
+              <a:t>17/12/2022</a:t>
             </a:fld>
             <a:endParaRPr lang="en-SG"/>
           </a:p>
@@ -2362,7 +2362,7 @@
           <a:p>
             <a:fld id="{4A2C2626-DACE-426B-A3BD-2F0737442317}" type="datetimeFigureOut">
               <a:rPr lang="en-SG" smtClean="0"/>
-              <a:t>13/12/2022</a:t>
+              <a:t>17/12/2022</a:t>
             </a:fld>
             <a:endParaRPr lang="en-SG"/>
           </a:p>
@@ -2777,7 +2777,7 @@
           <a:p>
             <a:fld id="{4A2C2626-DACE-426B-A3BD-2F0737442317}" type="datetimeFigureOut">
               <a:rPr lang="en-SG" smtClean="0"/>
-              <a:t>13/12/2022</a:t>
+              <a:t>17/12/2022</a:t>
             </a:fld>
             <a:endParaRPr lang="en-SG"/>
           </a:p>
@@ -2919,7 +2919,7 @@
           <a:p>
             <a:fld id="{4A2C2626-DACE-426B-A3BD-2F0737442317}" type="datetimeFigureOut">
               <a:rPr lang="en-SG" smtClean="0"/>
-              <a:t>13/12/2022</a:t>
+              <a:t>17/12/2022</a:t>
             </a:fld>
             <a:endParaRPr lang="en-SG"/>
           </a:p>
@@ -3032,7 +3032,7 @@
           <a:p>
             <a:fld id="{4A2C2626-DACE-426B-A3BD-2F0737442317}" type="datetimeFigureOut">
               <a:rPr lang="en-SG" smtClean="0"/>
-              <a:t>13/12/2022</a:t>
+              <a:t>17/12/2022</a:t>
             </a:fld>
             <a:endParaRPr lang="en-SG"/>
           </a:p>
@@ -3345,7 +3345,7 @@
           <a:p>
             <a:fld id="{4A2C2626-DACE-426B-A3BD-2F0737442317}" type="datetimeFigureOut">
               <a:rPr lang="en-SG" smtClean="0"/>
-              <a:t>13/12/2022</a:t>
+              <a:t>17/12/2022</a:t>
             </a:fld>
             <a:endParaRPr lang="en-SG"/>
           </a:p>
@@ -3634,7 +3634,7 @@
           <a:p>
             <a:fld id="{4A2C2626-DACE-426B-A3BD-2F0737442317}" type="datetimeFigureOut">
               <a:rPr lang="en-SG" smtClean="0"/>
-              <a:t>13/12/2022</a:t>
+              <a:t>17/12/2022</a:t>
             </a:fld>
             <a:endParaRPr lang="en-SG"/>
           </a:p>
@@ -3877,7 +3877,7 @@
           <a:p>
             <a:fld id="{4A2C2626-DACE-426B-A3BD-2F0737442317}" type="datetimeFigureOut">
               <a:rPr lang="en-SG" smtClean="0"/>
-              <a:t>13/12/2022</a:t>
+              <a:t>17/12/2022</a:t>
             </a:fld>
             <a:endParaRPr lang="en-SG"/>
           </a:p>
@@ -4596,7 +4596,7 @@
         </p:nvSpPr>
         <p:spPr>
           <a:xfrm>
-            <a:off x="7998091" y="4017384"/>
+            <a:off x="7661760" y="3907985"/>
             <a:ext cx="1480665" cy="369332"/>
           </a:xfrm>
           <a:prstGeom prst="rect">
@@ -4662,7 +4662,7 @@
           <a:p>
             <a:r>
               <a:rPr lang="en-SG" dirty="0"/>
-              <a:t>Pax per team input:</a:t>
+              <a:t>Pax per sub-group input:</a:t>
             </a:r>
           </a:p>
         </p:txBody>
@@ -4752,7 +4752,7 @@
           <a:p>
             <a:r>
               <a:rPr lang="en-SG" dirty="0"/>
-              <a:t>Name1; Name2; Name3; Name4; Name5 Name6; Name7; Name8; Name9; Name10; Name11; Name12; Name13; Name14; Name15;</a:t>
+              <a:t>Name1; Name2; Name3; Name4; Name5; Name6; Name7; Name8; Name9; Name10; Name11; Name12; Name13; Name14; Name15;</a:t>
             </a:r>
           </a:p>
         </p:txBody>
@@ -5288,7 +5288,7 @@
             <a:pPr algn="ctr"/>
             <a:r>
               <a:rPr lang="en-SG" dirty="0"/>
-              <a:t>Event 1</a:t>
+              <a:t>Session 1</a:t>
             </a:r>
           </a:p>
         </p:txBody>
@@ -5794,7 +5794,7 @@
             <a:pPr algn="ctr"/>
             <a:r>
               <a:rPr lang="en-SG" dirty="0"/>
-              <a:t>Event 2</a:t>
+              <a:t>Session 2</a:t>
             </a:r>
           </a:p>
         </p:txBody>
@@ -6300,7 +6300,7 @@
             <a:pPr algn="ctr"/>
             <a:r>
               <a:rPr lang="en-SG" dirty="0"/>
-              <a:t>Event 3</a:t>
+              <a:t>Session 3</a:t>
             </a:r>
           </a:p>
         </p:txBody>
@@ -6806,7 +6806,7 @@
             <a:pPr algn="ctr"/>
             <a:r>
               <a:rPr lang="en-SG" dirty="0"/>
-              <a:t>Event 4</a:t>
+              <a:t>Session 4</a:t>
             </a:r>
           </a:p>
         </p:txBody>
